--- a/SMEXOP/SMEXOP_V1.3.pptx
+++ b/SMEXOP/SMEXOP_V1.3.pptx
@@ -310,7 +310,7 @@
           <a:p>
             <a:fld id="{4AF1DCFC-0A24-40D5-A007-FBB29F036A66}" type="datetimeFigureOut">
               <a:rPr lang="en-US" smtClean="0"/>
-              <a:t>10/17/2025</a:t>
+              <a:t>10/21/2025</a:t>
             </a:fld>
             <a:endParaRPr lang="en-US" dirty="0"/>
           </a:p>
@@ -468,7 +468,7 @@
           <a:p>
             <a:fld id="{D6F27D07-7781-494F-A97B-35FE753DE488}" type="slidenum">
               <a:rPr lang="en-US" smtClean="0"/>
-              <a:t>‹#›</a:t>
+              <a:t>‹Nr.›</a:t>
             </a:fld>
             <a:endParaRPr lang="en-US" dirty="0"/>
           </a:p>
@@ -20017,7 +20017,23 @@
                   <a:schemeClr val="tx1"/>
                 </a:solidFill>
               </a:rPr>
-              <a:t>myetc.at -&gt; selector1-myetc-at._domainkey.ntxbocgat.onmicrosoft.com</a:t>
+              <a:t>myetc.at -&gt; selector1-myetc-at._domainkey.ntxbocgat.</a:t>
+            </a:r>
+            <a:r>
+              <a:rPr lang="de-DE" sz="1800" b="1" dirty="0">
+                <a:solidFill>
+                  <a:srgbClr val="FF0000"/>
+                </a:solidFill>
+              </a:rPr>
+              <a:t>x-yz</a:t>
+            </a:r>
+            <a:r>
+              <a:rPr lang="de-DE" sz="1800" dirty="0">
+                <a:solidFill>
+                  <a:schemeClr val="tx1"/>
+                </a:solidFill>
+              </a:rPr>
+              <a:t>.dkim.mail.microsoft</a:t>
             </a:r>
           </a:p>
           <a:p>
@@ -20063,6 +20079,100 @@
           </a:p>
         </p:txBody>
       </p:sp>
+      <p:sp>
+        <p:nvSpPr>
+          <p:cNvPr id="4" name="Textfeld 3">
+            <a:extLst>
+              <a:ext uri="{FF2B5EF4-FFF2-40B4-BE49-F238E27FC236}">
+                <a16:creationId xmlns:a16="http://schemas.microsoft.com/office/drawing/2014/main" id="{ECFE71BF-12B4-4146-F19D-B199FADEB806}"/>
+              </a:ext>
+            </a:extLst>
+          </p:cNvPr>
+          <p:cNvSpPr txBox="1"/>
+          <p:nvPr/>
+        </p:nvSpPr>
+        <p:spPr>
+          <a:xfrm>
+            <a:off x="7786718" y="5120062"/>
+            <a:ext cx="2752076" cy="374846"/>
+          </a:xfrm>
+          <a:prstGeom prst="rect">
+            <a:avLst/>
+          </a:prstGeom>
+          <a:noFill/>
+        </p:spPr>
+        <p:txBody>
+          <a:bodyPr wrap="square" rtlCol="0">
+            <a:spAutoFit/>
+          </a:bodyPr>
+          <a:lstStyle/>
+          <a:p>
+            <a:r>
+              <a:rPr lang="en-US" b="1" dirty="0" err="1">
+                <a:solidFill>
+                  <a:srgbClr val="FF0000"/>
+                </a:solidFill>
+              </a:rPr>
+              <a:t>Dynamische</a:t>
+            </a:r>
+            <a:r>
+              <a:rPr lang="en-US" b="1" dirty="0">
+                <a:solidFill>
+                  <a:srgbClr val="FF0000"/>
+                </a:solidFill>
+              </a:rPr>
+              <a:t> Subdomain</a:t>
+            </a:r>
+            <a:endParaRPr lang="de-AT" b="1" dirty="0">
+              <a:solidFill>
+                <a:srgbClr val="FF0000"/>
+              </a:solidFill>
+            </a:endParaRPr>
+          </a:p>
+        </p:txBody>
+      </p:sp>
+      <p:cxnSp>
+        <p:nvCxnSpPr>
+          <p:cNvPr id="6" name="Gerade Verbindung mit Pfeil 5">
+            <a:extLst>
+              <a:ext uri="{FF2B5EF4-FFF2-40B4-BE49-F238E27FC236}">
+                <a16:creationId xmlns:a16="http://schemas.microsoft.com/office/drawing/2014/main" id="{BC60D448-0779-4656-58F5-A21C38FFC33B}"/>
+              </a:ext>
+            </a:extLst>
+          </p:cNvPr>
+          <p:cNvCxnSpPr/>
+          <p:nvPr/>
+        </p:nvCxnSpPr>
+        <p:spPr>
+          <a:xfrm flipV="1">
+            <a:off x="9064101" y="4864963"/>
+            <a:ext cx="0" cy="255099"/>
+          </a:xfrm>
+          <a:prstGeom prst="straightConnector1">
+            <a:avLst/>
+          </a:prstGeom>
+          <a:ln>
+            <a:solidFill>
+              <a:srgbClr val="FF0000"/>
+            </a:solidFill>
+            <a:tailEnd type="triangle"/>
+          </a:ln>
+        </p:spPr>
+        <p:style>
+          <a:lnRef idx="2">
+            <a:schemeClr val="accent1"/>
+          </a:lnRef>
+          <a:fillRef idx="0">
+            <a:schemeClr val="accent1"/>
+          </a:fillRef>
+          <a:effectRef idx="1">
+            <a:schemeClr val="accent1"/>
+          </a:effectRef>
+          <a:fontRef idx="minor">
+            <a:schemeClr val="tx1"/>
+          </a:fontRef>
+        </p:style>
+      </p:cxnSp>
     </p:spTree>
     <p:extLst>
       <p:ext uri="{BB962C8B-B14F-4D97-AF65-F5344CB8AC3E}">
@@ -20192,10 +20302,10 @@
       </p:sp>
       <p:pic>
         <p:nvPicPr>
-          <p:cNvPr id="14" name="Picture 13" descr="A screen shot of a computer&#10;&#10;Description automatically generated">
+          <p:cNvPr id="7" name="Grafik 6">
             <a:extLst>
               <a:ext uri="{FF2B5EF4-FFF2-40B4-BE49-F238E27FC236}">
-                <a16:creationId xmlns:a16="http://schemas.microsoft.com/office/drawing/2014/main" id="{DA98AD89-0872-85A8-A47B-EE6247410B70}"/>
+                <a16:creationId xmlns:a16="http://schemas.microsoft.com/office/drawing/2014/main" id="{1390ABEF-BB36-C3FE-79ED-D5806482C266}"/>
               </a:ext>
             </a:extLst>
           </p:cNvPr>
@@ -20205,21 +20315,15 @@
           <p:nvPr/>
         </p:nvPicPr>
         <p:blipFill>
-          <a:blip r:embed="rId2">
-            <a:extLst>
-              <a:ext uri="{28A0092B-C50C-407E-A947-70E740481C1C}">
-                <a14:useLocalDpi xmlns:a14="http://schemas.microsoft.com/office/drawing/2010/main" val="0"/>
-              </a:ext>
-            </a:extLst>
-          </a:blip>
+          <a:blip r:embed="rId2"/>
           <a:stretch>
             <a:fillRect/>
           </a:stretch>
         </p:blipFill>
         <p:spPr>
           <a:xfrm>
-            <a:off x="499047" y="3139707"/>
-            <a:ext cx="11336332" cy="2305372"/>
+            <a:off x="210129" y="2746686"/>
+            <a:ext cx="12016215" cy="3236864"/>
           </a:xfrm>
           <a:prstGeom prst="rect">
             <a:avLst/>
@@ -21086,7 +21190,7 @@
           <p:nvPr>
             <p:extLst>
               <p:ext uri="{D42A27DB-BD31-4B8C-83A1-F6EECF244321}">
-                <p14:modId xmlns:p14="http://schemas.microsoft.com/office/powerpoint/2010/main" val="2414809775"/>
+                <p14:modId xmlns:p14="http://schemas.microsoft.com/office/powerpoint/2010/main" val="1111392605"/>
               </p:ext>
             </p:extLst>
           </p:nvPr>
@@ -21596,7 +21700,7 @@
                       </a:r>
                       <a:r>
                         <a:rPr lang="de-AT" sz="1400" dirty="0"/>
-                        <a:t>=s Melde SFP=Fail-Fehler, unabhängig von DKIM</a:t>
+                        <a:t>=s Melde SPF=Fail-Fehler, unabhängig von DKIM</a:t>
                       </a:r>
                     </a:p>
                     <a:p>
@@ -28548,7 +28652,7 @@
                 <a:ea typeface="+mn-lt"/>
                 <a:cs typeface="Segoe UI Semilight"/>
               </a:rPr>
-              <a:t>Enable-EOSmtpDaneInbound</a:t>
+              <a:t>Enable-SmtpDaneInbound</a:t>
             </a:r>
             <a:r>
               <a:rPr lang="de-DE" sz="2000" b="1" dirty="0">
@@ -30763,29 +30867,8 @@
 </file>
 
 <file path=customXml/item1.xml><?xml version="1.0" encoding="utf-8"?>
-<?mso-contentType ?>
-<FormTemplates xmlns="http://schemas.microsoft.com/sharepoint/v3/contenttype/forms">
-  <Display>DocumentLibraryForm</Display>
-  <Edit>DocumentLibraryForm</Edit>
-  <New>DocumentLibraryForm</New>
-</FormTemplates>
-</file>
-
-<file path=customXml/item2.xml><?xml version="1.0" encoding="utf-8"?>
-<p:properties xmlns:p="http://schemas.microsoft.com/office/2006/metadata/properties" xmlns:xsi="http://www.w3.org/2001/XMLSchema-instance" xmlns:pc="http://schemas.microsoft.com/office/infopath/2007/PartnerControls">
-  <documentManagement>
-    <MediaServiceKeyPoints xmlns="6e26bd3e-26a1-49ef-a711-f93878600d1b" xsi:nil="true"/>
-    <lcf76f155ced4ddcb4097134ff3c332f xmlns="6e26bd3e-26a1-49ef-a711-f93878600d1b">
-      <Terms xmlns="http://schemas.microsoft.com/office/infopath/2007/PartnerControls"/>
-    </lcf76f155ced4ddcb4097134ff3c332f>
-    <TaxCatchAll xmlns="3b7c1a63-589f-43fc-8fe7-5d1c1c7abab8" xsi:nil="true"/>
-  </documentManagement>
-</p:properties>
-</file>
-
-<file path=customXml/item3.xml><?xml version="1.0" encoding="utf-8"?>
-<ct:contentTypeSchema xmlns:ct="http://schemas.microsoft.com/office/2006/metadata/contentType" xmlns:ma="http://schemas.microsoft.com/office/2006/metadata/properties/metaAttributes" ct:_="" ma:_="" ma:contentTypeName="Dokument" ma:contentTypeID="0x010100ED6F75BC7090174AA980D673A413155B" ma:contentTypeVersion="18" ma:contentTypeDescription="Ein neues Dokument erstellen." ma:contentTypeScope="" ma:versionID="f9ffff78f21a0617c0a1cc1c694c3393">
-  <xsd:schema xmlns:xsd="http://www.w3.org/2001/XMLSchema" xmlns:xs="http://www.w3.org/2001/XMLSchema" xmlns:p="http://schemas.microsoft.com/office/2006/metadata/properties" xmlns:ns2="6e26bd3e-26a1-49ef-a711-f93878600d1b" xmlns:ns3="3b7c1a63-589f-43fc-8fe7-5d1c1c7abab8" targetNamespace="http://schemas.microsoft.com/office/2006/metadata/properties" ma:root="true" ma:fieldsID="6e7d4b582c2fe0a0b1fe1e4a66cae232" ns2:_="" ns3:_="">
+<ct:contentTypeSchema xmlns:ct="http://schemas.microsoft.com/office/2006/metadata/contentType" xmlns:ma="http://schemas.microsoft.com/office/2006/metadata/properties/metaAttributes" ct:_="" ma:_="" ma:contentTypeName="Document" ma:contentTypeID="0x010100ED6F75BC7090174AA980D673A413155B" ma:contentTypeVersion="18" ma:contentTypeDescription="Create a new document." ma:contentTypeScope="" ma:versionID="4256185758133199bddcdba3cd120ecf">
+  <xsd:schema xmlns:xsd="http://www.w3.org/2001/XMLSchema" xmlns:xs="http://www.w3.org/2001/XMLSchema" xmlns:p="http://schemas.microsoft.com/office/2006/metadata/properties" xmlns:ns2="6e26bd3e-26a1-49ef-a711-f93878600d1b" xmlns:ns3="3b7c1a63-589f-43fc-8fe7-5d1c1c7abab8" targetNamespace="http://schemas.microsoft.com/office/2006/metadata/properties" ma:root="true" ma:fieldsID="339dfb42b5c166ff57b09abcff590bc6" ns2:_="" ns3:_="">
     <xsd:import namespace="6e26bd3e-26a1-49ef-a711-f93878600d1b"/>
     <xsd:import namespace="3b7c1a63-589f-43fc-8fe7-5d1c1c7abab8"/>
     <xsd:element name="properties">
@@ -30869,7 +30952,7 @@
         <xsd:restriction base="dms:Unknown"/>
       </xsd:simpleType>
     </xsd:element>
-    <xsd:element name="lcf76f155ced4ddcb4097134ff3c332f" ma:index="20" nillable="true" ma:taxonomy="true" ma:internalName="lcf76f155ced4ddcb4097134ff3c332f" ma:taxonomyFieldName="MediaServiceImageTags" ma:displayName="Bildmarkierungen" ma:readOnly="false" ma:fieldId="{5cf76f15-5ced-4ddc-b409-7134ff3c332f}" ma:taxonomyMulti="true" ma:sspId="9498cc76-508d-4fbb-bc6c-49557131ae20" ma:termSetId="09814cd3-568e-fe90-9814-8d621ff8fb84" ma:anchorId="fba54fb3-c3e1-fe81-a776-ca4b69148c4d" ma:open="true" ma:isKeyword="false">
+    <xsd:element name="lcf76f155ced4ddcb4097134ff3c332f" ma:index="20" nillable="true" ma:taxonomy="true" ma:internalName="lcf76f155ced4ddcb4097134ff3c332f" ma:taxonomyFieldName="MediaServiceImageTags" ma:displayName="Image Tags" ma:readOnly="false" ma:fieldId="{5cf76f15-5ced-4ddc-b409-7134ff3c332f}" ma:taxonomyMulti="true" ma:sspId="9498cc76-508d-4fbb-bc6c-49557131ae20" ma:termSetId="09814cd3-568e-fe90-9814-8d621ff8fb84" ma:anchorId="fba54fb3-c3e1-fe81-a776-ca4b69148c4d" ma:open="true" ma:isKeyword="false">
       <xsd:complexType>
         <xsd:sequence>
           <xsd:element ref="pc:Terms" minOccurs="0" maxOccurs="1"/>
@@ -30895,7 +30978,7 @@
   <xsd:schema xmlns:xsd="http://www.w3.org/2001/XMLSchema" xmlns:xs="http://www.w3.org/2001/XMLSchema" xmlns:dms="http://schemas.microsoft.com/office/2006/documentManagement/types" xmlns:pc="http://schemas.microsoft.com/office/infopath/2007/PartnerControls" targetNamespace="3b7c1a63-589f-43fc-8fe7-5d1c1c7abab8" elementFormDefault="qualified">
     <xsd:import namespace="http://schemas.microsoft.com/office/2006/documentManagement/types"/>
     <xsd:import namespace="http://schemas.microsoft.com/office/infopath/2007/PartnerControls"/>
-    <xsd:element name="SharedWithUsers" ma:index="16" nillable="true" ma:displayName="Freigegeben für" ma:internalName="SharedWithUsers" ma:readOnly="true">
+    <xsd:element name="SharedWithUsers" ma:index="16" nillable="true" ma:displayName="Shared With" ma:internalName="SharedWithUsers" ma:readOnly="true">
       <xsd:complexType>
         <xsd:complexContent>
           <xsd:extension base="dms:UserMulti">
@@ -30914,7 +30997,7 @@
         </xsd:complexContent>
       </xsd:complexType>
     </xsd:element>
-    <xsd:element name="SharedWithDetails" ma:index="17" nillable="true" ma:displayName="Freigegeben für - Details" ma:internalName="SharedWithDetails" ma:readOnly="true">
+    <xsd:element name="SharedWithDetails" ma:index="17" nillable="true" ma:displayName="Shared With Details" ma:internalName="SharedWithDetails" ma:readOnly="true">
       <xsd:simpleType>
         <xsd:restriction base="dms:Note">
           <xsd:maxLength value="255"/>
@@ -30942,8 +31025,8 @@
         <xsd:element ref="dc:creator" minOccurs="0" maxOccurs="1"/>
         <xsd:element ref="dcterms:created" minOccurs="0" maxOccurs="1"/>
         <xsd:element ref="dc:identifier" minOccurs="0" maxOccurs="1"/>
-        <xsd:element name="contentType" minOccurs="0" maxOccurs="1" type="xsd:string" ma:index="0" ma:displayName="Inhaltstyp"/>
-        <xsd:element ref="dc:title" minOccurs="0" maxOccurs="1" ma:index="4" ma:displayName="Titel"/>
+        <xsd:element name="contentType" minOccurs="0" maxOccurs="1" type="xsd:string" ma:index="0" ma:displayName="Content Type"/>
+        <xsd:element ref="dc:title" minOccurs="0" maxOccurs="1" ma:index="4" ma:displayName="Title"/>
         <xsd:element ref="dc:subject" minOccurs="0" maxOccurs="1"/>
         <xsd:element ref="dc:description" minOccurs="0" maxOccurs="1"/>
         <xsd:element name="keywords" minOccurs="0" maxOccurs="1" type="xsd:string"/>
@@ -31032,7 +31115,32 @@
 </ct:contentTypeSchema>
 </file>
 
+<file path=customXml/item2.xml><?xml version="1.0" encoding="utf-8"?>
+<?mso-contentType ?>
+<FormTemplates xmlns="http://schemas.microsoft.com/sharepoint/v3/contenttype/forms">
+  <Display>DocumentLibraryForm</Display>
+  <Edit>DocumentLibraryForm</Edit>
+  <New>DocumentLibraryForm</New>
+</FormTemplates>
+</file>
+
+<file path=customXml/item3.xml><?xml version="1.0" encoding="utf-8"?>
+<p:properties xmlns:p="http://schemas.microsoft.com/office/2006/metadata/properties" xmlns:xsi="http://www.w3.org/2001/XMLSchema-instance" xmlns:pc="http://schemas.microsoft.com/office/infopath/2007/PartnerControls">
+  <documentManagement>
+    <MediaServiceKeyPoints xmlns="6e26bd3e-26a1-49ef-a711-f93878600d1b" xsi:nil="true"/>
+    <lcf76f155ced4ddcb4097134ff3c332f xmlns="6e26bd3e-26a1-49ef-a711-f93878600d1b">
+      <Terms xmlns="http://schemas.microsoft.com/office/infopath/2007/PartnerControls"/>
+    </lcf76f155ced4ddcb4097134ff3c332f>
+    <TaxCatchAll xmlns="3b7c1a63-589f-43fc-8fe7-5d1c1c7abab8" xsi:nil="true"/>
+  </documentManagement>
+</p:properties>
+</file>
+
 <file path=customXml/itemProps1.xml><?xml version="1.0" encoding="utf-8"?>
+<ds:datastoreItem xmlns:ds="http://schemas.openxmlformats.org/officeDocument/2006/customXml" ds:itemID="{FFCD1882-D08B-4147-88DB-54160435EFFA}"/>
+</file>
+
+<file path=customXml/itemProps2.xml><?xml version="1.0" encoding="utf-8"?>
 <ds:datastoreItem xmlns:ds="http://schemas.openxmlformats.org/officeDocument/2006/customXml" ds:itemID="{B763F203-3722-4D22-B31D-AA35DA0DC141}">
   <ds:schemaRefs>
     <ds:schemaRef ds:uri="http://schemas.microsoft.com/sharepoint/v3/contenttype/forms"/>
@@ -31040,7 +31148,7 @@
 </ds:datastoreItem>
 </file>
 
-<file path=customXml/itemProps2.xml><?xml version="1.0" encoding="utf-8"?>
+<file path=customXml/itemProps3.xml><?xml version="1.0" encoding="utf-8"?>
 <ds:datastoreItem xmlns:ds="http://schemas.openxmlformats.org/officeDocument/2006/customXml" ds:itemID="{95D36474-37E5-4DEF-97CF-193944B34282}">
   <ds:schemaRefs>
     <ds:schemaRef ds:uri="http://schemas.openxmlformats.org/package/2006/metadata/core-properties"/>
@@ -31058,23 +31166,4 @@
     <ds:schemaRef ds:uri="3b7c1a63-589f-43fc-8fe7-5d1c1c7abab8"/>
   </ds:schemaRefs>
 </ds:datastoreItem>
-</file>
-
-<file path=customXml/itemProps3.xml><?xml version="1.0" encoding="utf-8"?>
-<ds:datastoreItem xmlns:ds="http://schemas.openxmlformats.org/officeDocument/2006/customXml" ds:itemID="{F3BDA2CC-BF89-4C39-ACE9-AD69952803ED}">
-  <ds:schemaRefs>
-    <ds:schemaRef ds:uri="http://schemas.microsoft.com/office/2006/metadata/contentType"/>
-    <ds:schemaRef ds:uri="http://schemas.microsoft.com/office/2006/metadata/properties/metaAttributes"/>
-    <ds:schemaRef ds:uri="http://www.w3.org/2001/XMLSchema"/>
-    <ds:schemaRef ds:uri="http://schemas.microsoft.com/office/2006/metadata/properties"/>
-    <ds:schemaRef ds:uri="6e26bd3e-26a1-49ef-a711-f93878600d1b"/>
-    <ds:schemaRef ds:uri="3b7c1a63-589f-43fc-8fe7-5d1c1c7abab8"/>
-    <ds:schemaRef ds:uri="http://schemas.microsoft.com/office/2006/documentManagement/types"/>
-    <ds:schemaRef ds:uri="http://schemas.microsoft.com/office/infopath/2007/PartnerControls"/>
-    <ds:schemaRef ds:uri="http://schemas.openxmlformats.org/package/2006/metadata/core-properties"/>
-    <ds:schemaRef ds:uri="http://purl.org/dc/elements/1.1/"/>
-    <ds:schemaRef ds:uri="http://purl.org/dc/terms/"/>
-    <ds:schemaRef ds:uri="http://schemas.microsoft.com/internal/obd"/>
-  </ds:schemaRefs>
-</ds:datastoreItem>
 </file>